--- a/unsorted/django-110614122309-phpapp01.pptx
+++ b/unsorted/django-110614122309-phpapp01.pptx
@@ -1,6 +1,6 @@
 
 <file path=ppt/presentation.xml><?xml version="1.0" encoding="utf-8"?>
-<p:presentation xmlns:a="http://schemas.openxmlformats.org/drawingml/2006/main" xmlns:r="http://schemas.openxmlformats.org/officeDocument/2006/relationships" xmlns:mc="http://schemas.openxmlformats.org/markup-compatibility/2006" xmlns:mv="urn:schemas-microsoft-com:mac:vml" xmlns:p="http://schemas.openxmlformats.org/presentationml/2006/main" mc:Ignorable="mv" mc:PreserveAttributes="mv:*" saveSubsetFonts="1" autoCompressPictures="0">
+<p:presentation xmlns:a="http://schemas.openxmlformats.org/drawingml/2006/main" xmlns:r="http://schemas.openxmlformats.org/officeDocument/2006/relationships" xmlns:p="http://schemas.openxmlformats.org/presentationml/2006/main" saveSubsetFonts="1" autoCompressPictures="0">
   <p:sldMasterIdLst>
     <p:sldMasterId id="2147483648" r:id="rId1"/>
   </p:sldMasterIdLst>
@@ -126,11 +126,27 @@
       </a:defRPr>
     </a:lvl9pPr>
   </p:defaultTextStyle>
+  <p:extLst>
+    <p:ext uri="{EFAFB233-063F-42B5-8137-9DF3F51BA10A}">
+      <p15:sldGuideLst xmlns:p15="http://schemas.microsoft.com/office/powerpoint/2012/main">
+        <p15:guide id="1" orient="horz" pos="2160">
+          <p15:clr>
+            <a:srgbClr val="A4A3A4"/>
+          </p15:clr>
+        </p15:guide>
+        <p15:guide id="2" pos="2880">
+          <p15:clr>
+            <a:srgbClr val="A4A3A4"/>
+          </p15:clr>
+        </p15:guide>
+      </p15:sldGuideLst>
+    </p:ext>
+  </p:extLst>
 </p:presentation>
 </file>
 
 <file path=ppt/notesMasters/notesMaster1.xml><?xml version="1.0" encoding="utf-8"?>
-<p:notesMaster xmlns:a="http://schemas.openxmlformats.org/drawingml/2006/main" xmlns:r="http://schemas.openxmlformats.org/officeDocument/2006/relationships" xmlns:mc="http://schemas.openxmlformats.org/markup-compatibility/2006" xmlns:mv="urn:schemas-microsoft-com:mac:vml" xmlns:p="http://schemas.openxmlformats.org/presentationml/2006/main" mc:Ignorable="mv" mc:PreserveAttributes="mv:*">
+<p:notesMaster xmlns:a="http://schemas.openxmlformats.org/drawingml/2006/main" xmlns:r="http://schemas.openxmlformats.org/officeDocument/2006/relationships" xmlns:p="http://schemas.openxmlformats.org/presentationml/2006/main">
   <p:cSld>
     <p:bg>
       <p:bgRef idx="1001">
@@ -211,7 +227,7 @@
           <a:p>
             <a:fld id="{BB853691-2568-724D-8AC3-0B4EBB217FA1}" type="datetimeFigureOut">
               <a:rPr lang="en-US" smtClean="0"/>
-              <a:t>5/6/11</a:t>
+              <a:t>10/28/2016</a:t>
             </a:fld>
             <a:endParaRPr lang="en-US"/>
           </a:p>
@@ -477,7 +493,7 @@
 </file>
 
 <file path=ppt/notesSlides/notesSlide1.xml><?xml version="1.0" encoding="utf-8"?>
-<p:notes xmlns:a="http://schemas.openxmlformats.org/drawingml/2006/main" xmlns:r="http://schemas.openxmlformats.org/officeDocument/2006/relationships" xmlns:mc="http://schemas.openxmlformats.org/markup-compatibility/2006" xmlns:mv="urn:schemas-microsoft-com:mac:vml" xmlns:p="http://schemas.openxmlformats.org/presentationml/2006/main" mc:Ignorable="mv" mc:PreserveAttributes="mv:*">
+<p:notes xmlns:a="http://schemas.openxmlformats.org/drawingml/2006/main" xmlns:r="http://schemas.openxmlformats.org/officeDocument/2006/relationships" xmlns:p="http://schemas.openxmlformats.org/presentationml/2006/main">
   <p:cSld>
     <p:spTree>
       <p:nvGrpSpPr>
@@ -558,7 +574,7 @@
 </file>
 
 <file path=ppt/slideLayouts/slideLayout1.xml><?xml version="1.0" encoding="utf-8"?>
-<p:sldLayout xmlns:a="http://schemas.openxmlformats.org/drawingml/2006/main" xmlns:r="http://schemas.openxmlformats.org/officeDocument/2006/relationships" xmlns:mc="http://schemas.openxmlformats.org/markup-compatibility/2006" xmlns:mv="urn:schemas-microsoft-com:mac:vml" xmlns:p="http://schemas.openxmlformats.org/presentationml/2006/main" mc:Ignorable="mv" mc:PreserveAttributes="mv:*" type="title" preserve="1">
+<p:sldLayout xmlns:a="http://schemas.openxmlformats.org/drawingml/2006/main" xmlns:r="http://schemas.openxmlformats.org/officeDocument/2006/relationships" xmlns:p="http://schemas.openxmlformats.org/presentationml/2006/main" type="title" preserve="1">
   <p:cSld name="Title Slide">
     <p:spTree>
       <p:nvGrpSpPr>
@@ -738,7 +754,7 @@
           <a:p>
             <a:fld id="{1FACF698-560B-A546-A4FA-6B15CCA392CB}" type="datetimeFigureOut">
               <a:rPr lang="en-US" smtClean="0"/>
-              <a:t>5/6/11</a:t>
+              <a:t>10/28/2016</a:t>
             </a:fld>
             <a:endParaRPr lang="en-US"/>
           </a:p>
@@ -795,7 +811,7 @@
 </file>
 
 <file path=ppt/slideLayouts/slideLayout10.xml><?xml version="1.0" encoding="utf-8"?>
-<p:sldLayout xmlns:a="http://schemas.openxmlformats.org/drawingml/2006/main" xmlns:r="http://schemas.openxmlformats.org/officeDocument/2006/relationships" xmlns:mc="http://schemas.openxmlformats.org/markup-compatibility/2006" xmlns:mv="urn:schemas-microsoft-com:mac:vml" xmlns:p="http://schemas.openxmlformats.org/presentationml/2006/main" mc:Ignorable="mv" mc:PreserveAttributes="mv:*" type="vertTx" preserve="1">
+<p:sldLayout xmlns:a="http://schemas.openxmlformats.org/drawingml/2006/main" xmlns:r="http://schemas.openxmlformats.org/officeDocument/2006/relationships" xmlns:p="http://schemas.openxmlformats.org/presentationml/2006/main" type="vertTx" preserve="1">
   <p:cSld name="Title and Vertical Text">
     <p:spTree>
       <p:nvGrpSpPr>
@@ -903,7 +919,7 @@
           <a:p>
             <a:fld id="{1FACF698-560B-A546-A4FA-6B15CCA392CB}" type="datetimeFigureOut">
               <a:rPr lang="en-US" smtClean="0"/>
-              <a:t>5/6/11</a:t>
+              <a:t>10/28/2016</a:t>
             </a:fld>
             <a:endParaRPr lang="en-US"/>
           </a:p>
@@ -960,7 +976,7 @@
 </file>
 
 <file path=ppt/slideLayouts/slideLayout11.xml><?xml version="1.0" encoding="utf-8"?>
-<p:sldLayout xmlns:a="http://schemas.openxmlformats.org/drawingml/2006/main" xmlns:r="http://schemas.openxmlformats.org/officeDocument/2006/relationships" xmlns:mc="http://schemas.openxmlformats.org/markup-compatibility/2006" xmlns:mv="urn:schemas-microsoft-com:mac:vml" xmlns:p="http://schemas.openxmlformats.org/presentationml/2006/main" mc:Ignorable="mv" mc:PreserveAttributes="mv:*" type="vertTitleAndTx" preserve="1">
+<p:sldLayout xmlns:a="http://schemas.openxmlformats.org/drawingml/2006/main" xmlns:r="http://schemas.openxmlformats.org/officeDocument/2006/relationships" xmlns:p="http://schemas.openxmlformats.org/presentationml/2006/main" type="vertTitleAndTx" preserve="1">
   <p:cSld name="Vertical Title and Text">
     <p:spTree>
       <p:nvGrpSpPr>
@@ -1078,7 +1094,7 @@
           <a:p>
             <a:fld id="{1FACF698-560B-A546-A4FA-6B15CCA392CB}" type="datetimeFigureOut">
               <a:rPr lang="en-US" smtClean="0"/>
-              <a:t>5/6/11</a:t>
+              <a:t>10/28/2016</a:t>
             </a:fld>
             <a:endParaRPr lang="en-US"/>
           </a:p>
@@ -1135,7 +1151,7 @@
 </file>
 
 <file path=ppt/slideLayouts/slideLayout2.xml><?xml version="1.0" encoding="utf-8"?>
-<p:sldLayout xmlns:a="http://schemas.openxmlformats.org/drawingml/2006/main" xmlns:r="http://schemas.openxmlformats.org/officeDocument/2006/relationships" xmlns:mc="http://schemas.openxmlformats.org/markup-compatibility/2006" xmlns:mv="urn:schemas-microsoft-com:mac:vml" xmlns:p="http://schemas.openxmlformats.org/presentationml/2006/main" mc:Ignorable="mv" mc:PreserveAttributes="mv:*" type="obj" preserve="1">
+<p:sldLayout xmlns:a="http://schemas.openxmlformats.org/drawingml/2006/main" xmlns:r="http://schemas.openxmlformats.org/officeDocument/2006/relationships" xmlns:p="http://schemas.openxmlformats.org/presentationml/2006/main" type="obj" preserve="1">
   <p:cSld name="Title and Content">
     <p:spTree>
       <p:nvGrpSpPr>
@@ -1243,7 +1259,7 @@
           <a:p>
             <a:fld id="{1FACF698-560B-A546-A4FA-6B15CCA392CB}" type="datetimeFigureOut">
               <a:rPr lang="en-US" smtClean="0"/>
-              <a:t>5/6/11</a:t>
+              <a:t>10/28/2016</a:t>
             </a:fld>
             <a:endParaRPr lang="en-US"/>
           </a:p>
@@ -1300,7 +1316,7 @@
 </file>
 
 <file path=ppt/slideLayouts/slideLayout3.xml><?xml version="1.0" encoding="utf-8"?>
-<p:sldLayout xmlns:a="http://schemas.openxmlformats.org/drawingml/2006/main" xmlns:r="http://schemas.openxmlformats.org/officeDocument/2006/relationships" xmlns:mc="http://schemas.openxmlformats.org/markup-compatibility/2006" xmlns:mv="urn:schemas-microsoft-com:mac:vml" xmlns:p="http://schemas.openxmlformats.org/presentationml/2006/main" mc:Ignorable="mv" mc:PreserveAttributes="mv:*" type="secHead" preserve="1">
+<p:sldLayout xmlns:a="http://schemas.openxmlformats.org/drawingml/2006/main" xmlns:r="http://schemas.openxmlformats.org/officeDocument/2006/relationships" xmlns:p="http://schemas.openxmlformats.org/presentationml/2006/main" type="secHead" preserve="1">
   <p:cSld name="Section Header">
     <p:spTree>
       <p:nvGrpSpPr>
@@ -1484,7 +1500,7 @@
           <a:p>
             <a:fld id="{1FACF698-560B-A546-A4FA-6B15CCA392CB}" type="datetimeFigureOut">
               <a:rPr lang="en-US" smtClean="0"/>
-              <a:t>5/6/11</a:t>
+              <a:t>10/28/2016</a:t>
             </a:fld>
             <a:endParaRPr lang="en-US"/>
           </a:p>
@@ -1541,7 +1557,7 @@
 </file>
 
 <file path=ppt/slideLayouts/slideLayout4.xml><?xml version="1.0" encoding="utf-8"?>
-<p:sldLayout xmlns:a="http://schemas.openxmlformats.org/drawingml/2006/main" xmlns:r="http://schemas.openxmlformats.org/officeDocument/2006/relationships" xmlns:mc="http://schemas.openxmlformats.org/markup-compatibility/2006" xmlns:mv="urn:schemas-microsoft-com:mac:vml" xmlns:p="http://schemas.openxmlformats.org/presentationml/2006/main" mc:Ignorable="mv" mc:PreserveAttributes="mv:*" type="twoObj" preserve="1">
+<p:sldLayout xmlns:a="http://schemas.openxmlformats.org/drawingml/2006/main" xmlns:r="http://schemas.openxmlformats.org/officeDocument/2006/relationships" xmlns:p="http://schemas.openxmlformats.org/presentationml/2006/main" type="twoObj" preserve="1">
   <p:cSld name="Two Content">
     <p:spTree>
       <p:nvGrpSpPr>
@@ -1767,7 +1783,7 @@
           <a:p>
             <a:fld id="{1FACF698-560B-A546-A4FA-6B15CCA392CB}" type="datetimeFigureOut">
               <a:rPr lang="en-US" smtClean="0"/>
-              <a:t>5/6/11</a:t>
+              <a:t>10/28/2016</a:t>
             </a:fld>
             <a:endParaRPr lang="en-US"/>
           </a:p>
@@ -1824,7 +1840,7 @@
 </file>
 
 <file path=ppt/slideLayouts/slideLayout5.xml><?xml version="1.0" encoding="utf-8"?>
-<p:sldLayout xmlns:a="http://schemas.openxmlformats.org/drawingml/2006/main" xmlns:r="http://schemas.openxmlformats.org/officeDocument/2006/relationships" xmlns:mc="http://schemas.openxmlformats.org/markup-compatibility/2006" xmlns:mv="urn:schemas-microsoft-com:mac:vml" xmlns:p="http://schemas.openxmlformats.org/presentationml/2006/main" mc:Ignorable="mv" mc:PreserveAttributes="mv:*" type="twoTxTwoObj" preserve="1">
+<p:sldLayout xmlns:a="http://schemas.openxmlformats.org/drawingml/2006/main" xmlns:r="http://schemas.openxmlformats.org/officeDocument/2006/relationships" xmlns:p="http://schemas.openxmlformats.org/presentationml/2006/main" type="twoTxTwoObj" preserve="1">
   <p:cSld name="Comparison">
     <p:spTree>
       <p:nvGrpSpPr>
@@ -2184,7 +2200,7 @@
           <a:p>
             <a:fld id="{1FACF698-560B-A546-A4FA-6B15CCA392CB}" type="datetimeFigureOut">
               <a:rPr lang="en-US" smtClean="0"/>
-              <a:t>5/6/11</a:t>
+              <a:t>10/28/2016</a:t>
             </a:fld>
             <a:endParaRPr lang="en-US"/>
           </a:p>
@@ -2241,7 +2257,7 @@
 </file>
 
 <file path=ppt/slideLayouts/slideLayout6.xml><?xml version="1.0" encoding="utf-8"?>
-<p:sldLayout xmlns:a="http://schemas.openxmlformats.org/drawingml/2006/main" xmlns:r="http://schemas.openxmlformats.org/officeDocument/2006/relationships" xmlns:mc="http://schemas.openxmlformats.org/markup-compatibility/2006" xmlns:mv="urn:schemas-microsoft-com:mac:vml" xmlns:p="http://schemas.openxmlformats.org/presentationml/2006/main" mc:Ignorable="mv" mc:PreserveAttributes="mv:*" type="titleOnly" preserve="1">
+<p:sldLayout xmlns:a="http://schemas.openxmlformats.org/drawingml/2006/main" xmlns:r="http://schemas.openxmlformats.org/officeDocument/2006/relationships" xmlns:p="http://schemas.openxmlformats.org/presentationml/2006/main" type="titleOnly" preserve="1">
   <p:cSld name="Title Only">
     <p:spTree>
       <p:nvGrpSpPr>
@@ -2297,7 +2313,7 @@
           <a:p>
             <a:fld id="{1FACF698-560B-A546-A4FA-6B15CCA392CB}" type="datetimeFigureOut">
               <a:rPr lang="en-US" smtClean="0"/>
-              <a:t>5/6/11</a:t>
+              <a:t>10/28/2016</a:t>
             </a:fld>
             <a:endParaRPr lang="en-US"/>
           </a:p>
@@ -2354,7 +2370,7 @@
 </file>
 
 <file path=ppt/slideLayouts/slideLayout7.xml><?xml version="1.0" encoding="utf-8"?>
-<p:sldLayout xmlns:a="http://schemas.openxmlformats.org/drawingml/2006/main" xmlns:r="http://schemas.openxmlformats.org/officeDocument/2006/relationships" xmlns:mc="http://schemas.openxmlformats.org/markup-compatibility/2006" xmlns:mv="urn:schemas-microsoft-com:mac:vml" xmlns:p="http://schemas.openxmlformats.org/presentationml/2006/main" mc:Ignorable="mv" mc:PreserveAttributes="mv:*" type="blank" preserve="1">
+<p:sldLayout xmlns:a="http://schemas.openxmlformats.org/drawingml/2006/main" xmlns:r="http://schemas.openxmlformats.org/officeDocument/2006/relationships" xmlns:p="http://schemas.openxmlformats.org/presentationml/2006/main" type="blank" preserve="1">
   <p:cSld name="Blank">
     <p:spTree>
       <p:nvGrpSpPr>
@@ -2387,7 +2403,7 @@
           <a:p>
             <a:fld id="{1FACF698-560B-A546-A4FA-6B15CCA392CB}" type="datetimeFigureOut">
               <a:rPr lang="en-US" smtClean="0"/>
-              <a:t>5/6/11</a:t>
+              <a:t>10/28/2016</a:t>
             </a:fld>
             <a:endParaRPr lang="en-US"/>
           </a:p>
@@ -2444,7 +2460,7 @@
 </file>
 
 <file path=ppt/slideLayouts/slideLayout8.xml><?xml version="1.0" encoding="utf-8"?>
-<p:sldLayout xmlns:a="http://schemas.openxmlformats.org/drawingml/2006/main" xmlns:r="http://schemas.openxmlformats.org/officeDocument/2006/relationships" xmlns:mc="http://schemas.openxmlformats.org/markup-compatibility/2006" xmlns:mv="urn:schemas-microsoft-com:mac:vml" xmlns:p="http://schemas.openxmlformats.org/presentationml/2006/main" mc:Ignorable="mv" mc:PreserveAttributes="mv:*" type="objTx" preserve="1">
+<p:sldLayout xmlns:a="http://schemas.openxmlformats.org/drawingml/2006/main" xmlns:r="http://schemas.openxmlformats.org/officeDocument/2006/relationships" xmlns:p="http://schemas.openxmlformats.org/presentationml/2006/main" type="objTx" preserve="1">
   <p:cSld name="Content with Caption">
     <p:spTree>
       <p:nvGrpSpPr>
@@ -2659,7 +2675,7 @@
           <a:p>
             <a:fld id="{1FACF698-560B-A546-A4FA-6B15CCA392CB}" type="datetimeFigureOut">
               <a:rPr lang="en-US" smtClean="0"/>
-              <a:t>5/6/11</a:t>
+              <a:t>10/28/2016</a:t>
             </a:fld>
             <a:endParaRPr lang="en-US"/>
           </a:p>
@@ -2716,7 +2732,7 @@
 </file>
 
 <file path=ppt/slideLayouts/slideLayout9.xml><?xml version="1.0" encoding="utf-8"?>
-<p:sldLayout xmlns:a="http://schemas.openxmlformats.org/drawingml/2006/main" xmlns:r="http://schemas.openxmlformats.org/officeDocument/2006/relationships" xmlns:mc="http://schemas.openxmlformats.org/markup-compatibility/2006" xmlns:mv="urn:schemas-microsoft-com:mac:vml" xmlns:p="http://schemas.openxmlformats.org/presentationml/2006/main" mc:Ignorable="mv" mc:PreserveAttributes="mv:*" type="picTx" preserve="1">
+<p:sldLayout xmlns:a="http://schemas.openxmlformats.org/drawingml/2006/main" xmlns:r="http://schemas.openxmlformats.org/officeDocument/2006/relationships" xmlns:p="http://schemas.openxmlformats.org/presentationml/2006/main" type="picTx" preserve="1">
   <p:cSld name="Picture with Caption">
     <p:spTree>
       <p:nvGrpSpPr>
@@ -2907,7 +2923,7 @@
           <a:p>
             <a:fld id="{1FACF698-560B-A546-A4FA-6B15CCA392CB}" type="datetimeFigureOut">
               <a:rPr lang="en-US" smtClean="0"/>
-              <a:t>5/6/11</a:t>
+              <a:t>10/28/2016</a:t>
             </a:fld>
             <a:endParaRPr lang="en-US"/>
           </a:p>
@@ -2964,7 +2980,7 @@
 </file>
 
 <file path=ppt/slideMasters/slideMaster1.xml><?xml version="1.0" encoding="utf-8"?>
-<p:sldMaster xmlns:a="http://schemas.openxmlformats.org/drawingml/2006/main" xmlns:r="http://schemas.openxmlformats.org/officeDocument/2006/relationships" xmlns:mc="http://schemas.openxmlformats.org/markup-compatibility/2006" xmlns:mv="urn:schemas-microsoft-com:mac:vml" xmlns:p="http://schemas.openxmlformats.org/presentationml/2006/main" mc:Ignorable="mv" mc:PreserveAttributes="mv:*">
+<p:sldMaster xmlns:a="http://schemas.openxmlformats.org/drawingml/2006/main" xmlns:r="http://schemas.openxmlformats.org/officeDocument/2006/relationships" xmlns:p="http://schemas.openxmlformats.org/presentationml/2006/main">
   <p:cSld>
     <p:bg>
       <p:bgRef idx="1001">
@@ -3115,7 +3131,7 @@
           <a:p>
             <a:fld id="{1FACF698-560B-A546-A4FA-6B15CCA392CB}" type="datetimeFigureOut">
               <a:rPr lang="en-US" smtClean="0"/>
-              <a:t>5/6/11</a:t>
+              <a:t>10/28/2016</a:t>
             </a:fld>
             <a:endParaRPr lang="en-US"/>
           </a:p>
@@ -3469,7 +3485,7 @@
 </file>
 
 <file path=ppt/slides/slide1.xml><?xml version="1.0" encoding="utf-8"?>
-<p:sld xmlns:a="http://schemas.openxmlformats.org/drawingml/2006/main" xmlns:r="http://schemas.openxmlformats.org/officeDocument/2006/relationships" xmlns:mc="http://schemas.openxmlformats.org/markup-compatibility/2006" xmlns:mv="urn:schemas-microsoft-com:mac:vml" xmlns:p="http://schemas.openxmlformats.org/presentationml/2006/main" mc:Ignorable="mv" mc:PreserveAttributes="mv:*">
+<p:sld xmlns:a="http://schemas.openxmlformats.org/drawingml/2006/main" xmlns:r="http://schemas.openxmlformats.org/officeDocument/2006/relationships" xmlns:p="http://schemas.openxmlformats.org/presentationml/2006/main">
   <p:cSld>
     <p:spTree>
       <p:nvGrpSpPr>
@@ -3532,7 +3548,7 @@
       </p:sp>
       <p:sp>
         <p:nvSpPr>
-          <p:cNvPr id="3" name="Subtitle 2"/>
+          <p:cNvPr id="4" name="Subtitle 3"/>
           <p:cNvSpPr>
             <a:spLocks noGrp="1"/>
           </p:cNvSpPr>
@@ -3540,42 +3556,12 @@
             <p:ph type="subTitle" idx="1"/>
           </p:nvPr>
         </p:nvSpPr>
-        <p:spPr>
-          <a:xfrm flipH="1">
-            <a:off x="2109957" y="3886200"/>
-            <a:ext cx="5008587" cy="1752600"/>
-          </a:xfrm>
-        </p:spPr>
-        <p:txBody>
-          <a:bodyPr wrap="square">
-            <a:normAutofit/>
-          </a:bodyPr>
+        <p:spPr/>
+        <p:txBody>
+          <a:bodyPr/>
           <a:lstStyle/>
           <a:p>
-            <a:pPr algn="r"/>
-            <a:r>
-              <a:rPr lang="ru-RU" sz="2400" dirty="0" smtClean="0">
-                <a:solidFill>
-                  <a:schemeClr val="bg1">
-                    <a:lumMod val="50000"/>
-                  </a:schemeClr>
-                </a:solidFill>
-              </a:rPr>
-              <a:t>Константин Шпинёв</a:t>
-            </a:r>
-          </a:p>
-          <a:p>
-            <a:pPr algn="r"/>
-            <a:r>
-              <a:rPr lang="en-US" sz="2400" dirty="0" smtClean="0">
-                <a:solidFill>
-                  <a:schemeClr val="bg1">
-                    <a:lumMod val="50000"/>
-                  </a:schemeClr>
-                </a:solidFill>
-              </a:rPr>
-              <a:t>mail@ksotik.com</a:t>
-            </a:r>
+            <a:endParaRPr lang="ru-RU"/>
           </a:p>
         </p:txBody>
       </p:sp>
@@ -3588,7 +3574,7 @@
 </file>
 
 <file path=ppt/slides/slide10.xml><?xml version="1.0" encoding="utf-8"?>
-<p:sld xmlns:a="http://schemas.openxmlformats.org/drawingml/2006/main" xmlns:r="http://schemas.openxmlformats.org/officeDocument/2006/relationships" xmlns:mc="http://schemas.openxmlformats.org/markup-compatibility/2006" xmlns:mv="urn:schemas-microsoft-com:mac:vml" xmlns:p="http://schemas.openxmlformats.org/presentationml/2006/main" mc:Ignorable="mv" mc:PreserveAttributes="mv:*">
+<p:sld xmlns:a="http://schemas.openxmlformats.org/drawingml/2006/main" xmlns:r="http://schemas.openxmlformats.org/officeDocument/2006/relationships" xmlns:p="http://schemas.openxmlformats.org/presentationml/2006/main">
   <p:cSld>
     <p:spTree>
       <p:nvGrpSpPr>
@@ -3944,7 +3930,7 @@
 </file>
 
 <file path=ppt/slides/slide11.xml><?xml version="1.0" encoding="utf-8"?>
-<p:sld xmlns:a="http://schemas.openxmlformats.org/drawingml/2006/main" xmlns:r="http://schemas.openxmlformats.org/officeDocument/2006/relationships" xmlns:mc="http://schemas.openxmlformats.org/markup-compatibility/2006" xmlns:mv="urn:schemas-microsoft-com:mac:vml" xmlns:p="http://schemas.openxmlformats.org/presentationml/2006/main" mc:Ignorable="mv" mc:PreserveAttributes="mv:*">
+<p:sld xmlns:a="http://schemas.openxmlformats.org/drawingml/2006/main" xmlns:r="http://schemas.openxmlformats.org/officeDocument/2006/relationships" xmlns:p="http://schemas.openxmlformats.org/presentationml/2006/main">
   <p:cSld>
     <p:spTree>
       <p:nvGrpSpPr>
@@ -4234,7 +4220,7 @@
 </file>
 
 <file path=ppt/slides/slide12.xml><?xml version="1.0" encoding="utf-8"?>
-<p:sld xmlns:a="http://schemas.openxmlformats.org/drawingml/2006/main" xmlns:r="http://schemas.openxmlformats.org/officeDocument/2006/relationships" xmlns:mc="http://schemas.openxmlformats.org/markup-compatibility/2006" xmlns:mv="urn:schemas-microsoft-com:mac:vml" xmlns:p="http://schemas.openxmlformats.org/presentationml/2006/main" mc:Ignorable="mv" mc:PreserveAttributes="mv:*">
+<p:sld xmlns:a="http://schemas.openxmlformats.org/drawingml/2006/main" xmlns:r="http://schemas.openxmlformats.org/officeDocument/2006/relationships" xmlns:p="http://schemas.openxmlformats.org/presentationml/2006/main">
   <p:cSld>
     <p:spTree>
       <p:nvGrpSpPr>
@@ -4366,7 +4352,7 @@
 </file>
 
 <file path=ppt/slides/slide13.xml><?xml version="1.0" encoding="utf-8"?>
-<p:sld xmlns:a="http://schemas.openxmlformats.org/drawingml/2006/main" xmlns:r="http://schemas.openxmlformats.org/officeDocument/2006/relationships" xmlns:mc="http://schemas.openxmlformats.org/markup-compatibility/2006" xmlns:mv="urn:schemas-microsoft-com:mac:vml" xmlns:p="http://schemas.openxmlformats.org/presentationml/2006/main" mc:Ignorable="mv" mc:PreserveAttributes="mv:*">
+<p:sld xmlns:a="http://schemas.openxmlformats.org/drawingml/2006/main" xmlns:r="http://schemas.openxmlformats.org/officeDocument/2006/relationships" xmlns:p="http://schemas.openxmlformats.org/presentationml/2006/main">
   <p:cSld>
     <p:spTree>
       <p:nvGrpSpPr>
@@ -4825,7 +4811,7 @@
 </file>
 
 <file path=ppt/slides/slide14.xml><?xml version="1.0" encoding="utf-8"?>
-<p:sld xmlns:a="http://schemas.openxmlformats.org/drawingml/2006/main" xmlns:r="http://schemas.openxmlformats.org/officeDocument/2006/relationships" xmlns:mc="http://schemas.openxmlformats.org/markup-compatibility/2006" xmlns:mv="urn:schemas-microsoft-com:mac:vml" xmlns:p="http://schemas.openxmlformats.org/presentationml/2006/main" mc:Ignorable="mv" mc:PreserveAttributes="mv:*">
+<p:sld xmlns:a="http://schemas.openxmlformats.org/drawingml/2006/main" xmlns:r="http://schemas.openxmlformats.org/officeDocument/2006/relationships" xmlns:p="http://schemas.openxmlformats.org/presentationml/2006/main">
   <p:cSld>
     <p:spTree>
       <p:nvGrpSpPr>
@@ -5091,7 +5077,7 @@
 </file>
 
 <file path=ppt/slides/slide15.xml><?xml version="1.0" encoding="utf-8"?>
-<p:sld xmlns:a="http://schemas.openxmlformats.org/drawingml/2006/main" xmlns:r="http://schemas.openxmlformats.org/officeDocument/2006/relationships" xmlns:mc="http://schemas.openxmlformats.org/markup-compatibility/2006" xmlns:mv="urn:schemas-microsoft-com:mac:vml" xmlns:p="http://schemas.openxmlformats.org/presentationml/2006/main" mc:Ignorable="mv" mc:PreserveAttributes="mv:*">
+<p:sld xmlns:a="http://schemas.openxmlformats.org/drawingml/2006/main" xmlns:r="http://schemas.openxmlformats.org/officeDocument/2006/relationships" xmlns:p="http://schemas.openxmlformats.org/presentationml/2006/main">
   <p:cSld>
     <p:spTree>
       <p:nvGrpSpPr>
@@ -5284,18 +5270,7 @@
                   </a:schemeClr>
                 </a:solidFill>
               </a:rPr>
-              <a:t>	# </a:t>
-            </a:r>
-            <a:r>
-              <a:rPr lang="en-US" sz="2400" dirty="0" smtClean="0">
-                <a:solidFill>
-                  <a:schemeClr val="tx1">
-                    <a:lumMod val="65000"/>
-                    <a:lumOff val="35000"/>
-                  </a:schemeClr>
-                </a:solidFill>
-              </a:rPr>
-              <a:t>(r’^blog/entry/(\d+)/$’, ‘blog.view.view_entry’)</a:t>
+              <a:t>	# (r’^blog/entry/(\d+)/$’, ‘blog.view.view_entry’)</a:t>
             </a:r>
             <a:endParaRPr lang="ru-RU" sz="2400" dirty="0" smtClean="0">
               <a:solidFill>
@@ -5745,7 +5720,7 @@
 </file>
 
 <file path=ppt/slides/slide16.xml><?xml version="1.0" encoding="utf-8"?>
-<p:sld xmlns:a="http://schemas.openxmlformats.org/drawingml/2006/main" xmlns:r="http://schemas.openxmlformats.org/officeDocument/2006/relationships" xmlns:mc="http://schemas.openxmlformats.org/markup-compatibility/2006" xmlns:mv="urn:schemas-microsoft-com:mac:vml" xmlns:p="http://schemas.openxmlformats.org/presentationml/2006/main" mc:Ignorable="mv" mc:PreserveAttributes="mv:*">
+<p:sld xmlns:a="http://schemas.openxmlformats.org/drawingml/2006/main" xmlns:r="http://schemas.openxmlformats.org/officeDocument/2006/relationships" xmlns:p="http://schemas.openxmlformats.org/presentationml/2006/main">
   <p:cSld>
     <p:spTree>
       <p:nvGrpSpPr>
@@ -6080,7 +6055,7 @@
 </file>
 
 <file path=ppt/slides/slide17.xml><?xml version="1.0" encoding="utf-8"?>
-<p:sld xmlns:a="http://schemas.openxmlformats.org/drawingml/2006/main" xmlns:r="http://schemas.openxmlformats.org/officeDocument/2006/relationships" xmlns:mc="http://schemas.openxmlformats.org/markup-compatibility/2006" xmlns:mv="urn:schemas-microsoft-com:mac:vml" xmlns:p="http://schemas.openxmlformats.org/presentationml/2006/main" mc:Ignorable="mv" mc:PreserveAttributes="mv:*">
+<p:sld xmlns:a="http://schemas.openxmlformats.org/drawingml/2006/main" xmlns:r="http://schemas.openxmlformats.org/officeDocument/2006/relationships" xmlns:p="http://schemas.openxmlformats.org/presentationml/2006/main">
   <p:cSld>
     <p:spTree>
       <p:nvGrpSpPr>
@@ -6314,7 +6289,7 @@
 </file>
 
 <file path=ppt/slides/slide18.xml><?xml version="1.0" encoding="utf-8"?>
-<p:sld xmlns:a="http://schemas.openxmlformats.org/drawingml/2006/main" xmlns:r="http://schemas.openxmlformats.org/officeDocument/2006/relationships" xmlns:mc="http://schemas.openxmlformats.org/markup-compatibility/2006" xmlns:mv="urn:schemas-microsoft-com:mac:vml" xmlns:p="http://schemas.openxmlformats.org/presentationml/2006/main" mc:Ignorable="mv" mc:PreserveAttributes="mv:*">
+<p:sld xmlns:a="http://schemas.openxmlformats.org/drawingml/2006/main" xmlns:r="http://schemas.openxmlformats.org/officeDocument/2006/relationships" xmlns:p="http://schemas.openxmlformats.org/presentationml/2006/main">
   <p:cSld>
     <p:spTree>
       <p:nvGrpSpPr>
@@ -6744,7 +6719,7 @@
 </file>
 
 <file path=ppt/slides/slide19.xml><?xml version="1.0" encoding="utf-8"?>
-<p:sld xmlns:a="http://schemas.openxmlformats.org/drawingml/2006/main" xmlns:r="http://schemas.openxmlformats.org/officeDocument/2006/relationships" xmlns:mc="http://schemas.openxmlformats.org/markup-compatibility/2006" xmlns:mv="urn:schemas-microsoft-com:mac:vml" xmlns:p="http://schemas.openxmlformats.org/presentationml/2006/main" mc:Ignorable="mv" mc:PreserveAttributes="mv:*">
+<p:sld xmlns:a="http://schemas.openxmlformats.org/drawingml/2006/main" xmlns:r="http://schemas.openxmlformats.org/officeDocument/2006/relationships" xmlns:p="http://schemas.openxmlformats.org/presentationml/2006/main">
   <p:cSld>
     <p:spTree>
       <p:nvGrpSpPr>
@@ -6891,7 +6866,7 @@
 </file>
 
 <file path=ppt/slides/slide2.xml><?xml version="1.0" encoding="utf-8"?>
-<p:sld xmlns:a="http://schemas.openxmlformats.org/drawingml/2006/main" xmlns:r="http://schemas.openxmlformats.org/officeDocument/2006/relationships" xmlns:mc="http://schemas.openxmlformats.org/markup-compatibility/2006" xmlns:mv="urn:schemas-microsoft-com:mac:vml" xmlns:p="http://schemas.openxmlformats.org/presentationml/2006/main" mc:Ignorable="mv" mc:PreserveAttributes="mv:*">
+<p:sld xmlns:a="http://schemas.openxmlformats.org/drawingml/2006/main" xmlns:r="http://schemas.openxmlformats.org/officeDocument/2006/relationships" xmlns:p="http://schemas.openxmlformats.org/presentationml/2006/main" show="0">
   <p:cSld>
     <p:spTree>
       <p:nvGrpSpPr>
@@ -6966,19 +6941,26 @@
           </a:p>
           <a:p>
             <a:r>
+              <a:rPr lang="ru-RU" dirty="0" smtClean="0"/>
+              <a:t>Актуальная версия </a:t>
+            </a:r>
+            <a:r>
+              <a:rPr lang="en-US" dirty="0" err="1" smtClean="0"/>
+              <a:t>django</a:t>
+            </a:r>
+            <a:r>
               <a:rPr lang="en-US" dirty="0" smtClean="0"/>
-              <a:t>django 1.2 (</a:t>
-            </a:r>
+              <a:t> 1.10 </a:t>
+            </a:r>
+          </a:p>
+          <a:p>
             <a:r>
               <a:rPr lang="ru-RU" dirty="0" smtClean="0"/>
-              <a:t>актуальная версия 1.3)</a:t>
-            </a:r>
-            <a:endParaRPr lang="en-US" dirty="0" smtClean="0"/>
-          </a:p>
-          <a:p>
+              <a:t>Проект </a:t>
+            </a:r>
             <a:r>
               <a:rPr lang="ru-RU" dirty="0" smtClean="0"/>
-              <a:t>Проект был опубликован в 2005 г</a:t>
+              <a:t>был опубликован в 2005 г</a:t>
             </a:r>
           </a:p>
           <a:p>
@@ -7027,11 +7009,429 @@
   <p:clrMapOvr>
     <a:masterClrMapping/>
   </p:clrMapOvr>
+  <mc:AlternateContent xmlns:mc="http://schemas.openxmlformats.org/markup-compatibility/2006">
+    <mc:Choice xmlns:p14="http://schemas.microsoft.com/office/powerpoint/2010/main" Requires="p14">
+      <p:transition spd="slow" p14:dur="2000"/>
+    </mc:Choice>
+    <mc:Fallback>
+      <p:transition spd="slow"/>
+    </mc:Fallback>
+  </mc:AlternateContent>
+  <p:timing>
+    <p:tnLst>
+      <p:par>
+        <p:cTn id="1" dur="indefinite" restart="never" nodeType="tmRoot">
+          <p:childTnLst>
+            <p:seq concurrent="1" nextAc="seek">
+              <p:cTn id="2" dur="indefinite" nodeType="mainSeq">
+                <p:childTnLst>
+                  <p:par>
+                    <p:cTn id="3" fill="hold">
+                      <p:stCondLst>
+                        <p:cond delay="indefinite"/>
+                      </p:stCondLst>
+                      <p:childTnLst>
+                        <p:par>
+                          <p:cTn id="4" fill="hold">
+                            <p:stCondLst>
+                              <p:cond delay="0"/>
+                            </p:stCondLst>
+                            <p:childTnLst>
+                              <p:par>
+                                <p:cTn id="5" presetID="10" presetClass="entr" presetSubtype="0" fill="hold" nodeType="clickEffect">
+                                  <p:stCondLst>
+                                    <p:cond delay="0"/>
+                                  </p:stCondLst>
+                                  <p:childTnLst>
+                                    <p:set>
+                                      <p:cBhvr>
+                                        <p:cTn id="6" dur="1" fill="hold">
+                                          <p:stCondLst>
+                                            <p:cond delay="0"/>
+                                          </p:stCondLst>
+                                        </p:cTn>
+                                        <p:tgtEl>
+                                          <p:spTgt spid="3">
+                                            <p:txEl>
+                                              <p:pRg st="0" end="0"/>
+                                            </p:txEl>
+                                          </p:spTgt>
+                                        </p:tgtEl>
+                                        <p:attrNameLst>
+                                          <p:attrName>style.visibility</p:attrName>
+                                        </p:attrNameLst>
+                                      </p:cBhvr>
+                                      <p:to>
+                                        <p:strVal val="visible"/>
+                                      </p:to>
+                                    </p:set>
+                                    <p:animEffect transition="in" filter="fade">
+                                      <p:cBhvr>
+                                        <p:cTn id="7" dur="500"/>
+                                        <p:tgtEl>
+                                          <p:spTgt spid="3">
+                                            <p:txEl>
+                                              <p:pRg st="0" end="0"/>
+                                            </p:txEl>
+                                          </p:spTgt>
+                                        </p:tgtEl>
+                                      </p:cBhvr>
+                                    </p:animEffect>
+                                  </p:childTnLst>
+                                </p:cTn>
+                              </p:par>
+                              <p:par>
+                                <p:cTn id="8" presetID="10" presetClass="entr" presetSubtype="0" fill="hold" nodeType="withEffect">
+                                  <p:stCondLst>
+                                    <p:cond delay="0"/>
+                                  </p:stCondLst>
+                                  <p:childTnLst>
+                                    <p:set>
+                                      <p:cBhvr>
+                                        <p:cTn id="9" dur="1" fill="hold">
+                                          <p:stCondLst>
+                                            <p:cond delay="0"/>
+                                          </p:stCondLst>
+                                        </p:cTn>
+                                        <p:tgtEl>
+                                          <p:spTgt spid="3">
+                                            <p:txEl>
+                                              <p:pRg st="1" end="1"/>
+                                            </p:txEl>
+                                          </p:spTgt>
+                                        </p:tgtEl>
+                                        <p:attrNameLst>
+                                          <p:attrName>style.visibility</p:attrName>
+                                        </p:attrNameLst>
+                                      </p:cBhvr>
+                                      <p:to>
+                                        <p:strVal val="visible"/>
+                                      </p:to>
+                                    </p:set>
+                                    <p:animEffect transition="in" filter="fade">
+                                      <p:cBhvr>
+                                        <p:cTn id="10" dur="500"/>
+                                        <p:tgtEl>
+                                          <p:spTgt spid="3">
+                                            <p:txEl>
+                                              <p:pRg st="1" end="1"/>
+                                            </p:txEl>
+                                          </p:spTgt>
+                                        </p:tgtEl>
+                                      </p:cBhvr>
+                                    </p:animEffect>
+                                  </p:childTnLst>
+                                </p:cTn>
+                              </p:par>
+                              <p:par>
+                                <p:cTn id="11" presetID="10" presetClass="entr" presetSubtype="0" fill="hold" nodeType="withEffect">
+                                  <p:stCondLst>
+                                    <p:cond delay="0"/>
+                                  </p:stCondLst>
+                                  <p:childTnLst>
+                                    <p:set>
+                                      <p:cBhvr>
+                                        <p:cTn id="12" dur="1" fill="hold">
+                                          <p:stCondLst>
+                                            <p:cond delay="0"/>
+                                          </p:stCondLst>
+                                        </p:cTn>
+                                        <p:tgtEl>
+                                          <p:spTgt spid="3">
+                                            <p:txEl>
+                                              <p:pRg st="2" end="2"/>
+                                            </p:txEl>
+                                          </p:spTgt>
+                                        </p:tgtEl>
+                                        <p:attrNameLst>
+                                          <p:attrName>style.visibility</p:attrName>
+                                        </p:attrNameLst>
+                                      </p:cBhvr>
+                                      <p:to>
+                                        <p:strVal val="visible"/>
+                                      </p:to>
+                                    </p:set>
+                                    <p:animEffect transition="in" filter="fade">
+                                      <p:cBhvr>
+                                        <p:cTn id="13" dur="500"/>
+                                        <p:tgtEl>
+                                          <p:spTgt spid="3">
+                                            <p:txEl>
+                                              <p:pRg st="2" end="2"/>
+                                            </p:txEl>
+                                          </p:spTgt>
+                                        </p:tgtEl>
+                                      </p:cBhvr>
+                                    </p:animEffect>
+                                  </p:childTnLst>
+                                </p:cTn>
+                              </p:par>
+                            </p:childTnLst>
+                          </p:cTn>
+                        </p:par>
+                      </p:childTnLst>
+                    </p:cTn>
+                  </p:par>
+                  <p:par>
+                    <p:cTn id="14" fill="hold">
+                      <p:stCondLst>
+                        <p:cond delay="indefinite"/>
+                      </p:stCondLst>
+                      <p:childTnLst>
+                        <p:par>
+                          <p:cTn id="15" fill="hold">
+                            <p:stCondLst>
+                              <p:cond delay="0"/>
+                            </p:stCondLst>
+                            <p:childTnLst>
+                              <p:par>
+                                <p:cTn id="16" presetID="10" presetClass="entr" presetSubtype="0" fill="hold" nodeType="clickEffect">
+                                  <p:stCondLst>
+                                    <p:cond delay="0"/>
+                                  </p:stCondLst>
+                                  <p:childTnLst>
+                                    <p:set>
+                                      <p:cBhvr>
+                                        <p:cTn id="17" dur="1" fill="hold">
+                                          <p:stCondLst>
+                                            <p:cond delay="0"/>
+                                          </p:stCondLst>
+                                        </p:cTn>
+                                        <p:tgtEl>
+                                          <p:spTgt spid="3">
+                                            <p:txEl>
+                                              <p:pRg st="4" end="4"/>
+                                            </p:txEl>
+                                          </p:spTgt>
+                                        </p:tgtEl>
+                                        <p:attrNameLst>
+                                          <p:attrName>style.visibility</p:attrName>
+                                        </p:attrNameLst>
+                                      </p:cBhvr>
+                                      <p:to>
+                                        <p:strVal val="visible"/>
+                                      </p:to>
+                                    </p:set>
+                                    <p:animEffect transition="in" filter="fade">
+                                      <p:cBhvr>
+                                        <p:cTn id="18" dur="500"/>
+                                        <p:tgtEl>
+                                          <p:spTgt spid="3">
+                                            <p:txEl>
+                                              <p:pRg st="4" end="4"/>
+                                            </p:txEl>
+                                          </p:spTgt>
+                                        </p:tgtEl>
+                                      </p:cBhvr>
+                                    </p:animEffect>
+                                  </p:childTnLst>
+                                </p:cTn>
+                              </p:par>
+                              <p:par>
+                                <p:cTn id="19" presetID="10" presetClass="entr" presetSubtype="0" fill="hold" nodeType="withEffect">
+                                  <p:stCondLst>
+                                    <p:cond delay="0"/>
+                                  </p:stCondLst>
+                                  <p:childTnLst>
+                                    <p:set>
+                                      <p:cBhvr>
+                                        <p:cTn id="20" dur="1" fill="hold">
+                                          <p:stCondLst>
+                                            <p:cond delay="0"/>
+                                          </p:stCondLst>
+                                        </p:cTn>
+                                        <p:tgtEl>
+                                          <p:spTgt spid="3">
+                                            <p:txEl>
+                                              <p:pRg st="5" end="5"/>
+                                            </p:txEl>
+                                          </p:spTgt>
+                                        </p:tgtEl>
+                                        <p:attrNameLst>
+                                          <p:attrName>style.visibility</p:attrName>
+                                        </p:attrNameLst>
+                                      </p:cBhvr>
+                                      <p:to>
+                                        <p:strVal val="visible"/>
+                                      </p:to>
+                                    </p:set>
+                                    <p:animEffect transition="in" filter="fade">
+                                      <p:cBhvr>
+                                        <p:cTn id="21" dur="500"/>
+                                        <p:tgtEl>
+                                          <p:spTgt spid="3">
+                                            <p:txEl>
+                                              <p:pRg st="5" end="5"/>
+                                            </p:txEl>
+                                          </p:spTgt>
+                                        </p:tgtEl>
+                                      </p:cBhvr>
+                                    </p:animEffect>
+                                  </p:childTnLst>
+                                </p:cTn>
+                              </p:par>
+                              <p:par>
+                                <p:cTn id="22" presetID="10" presetClass="entr" presetSubtype="0" fill="hold" nodeType="withEffect">
+                                  <p:stCondLst>
+                                    <p:cond delay="0"/>
+                                  </p:stCondLst>
+                                  <p:childTnLst>
+                                    <p:set>
+                                      <p:cBhvr>
+                                        <p:cTn id="23" dur="1" fill="hold">
+                                          <p:stCondLst>
+                                            <p:cond delay="0"/>
+                                          </p:stCondLst>
+                                        </p:cTn>
+                                        <p:tgtEl>
+                                          <p:spTgt spid="3">
+                                            <p:txEl>
+                                              <p:pRg st="6" end="6"/>
+                                            </p:txEl>
+                                          </p:spTgt>
+                                        </p:tgtEl>
+                                        <p:attrNameLst>
+                                          <p:attrName>style.visibility</p:attrName>
+                                        </p:attrNameLst>
+                                      </p:cBhvr>
+                                      <p:to>
+                                        <p:strVal val="visible"/>
+                                      </p:to>
+                                    </p:set>
+                                    <p:animEffect transition="in" filter="fade">
+                                      <p:cBhvr>
+                                        <p:cTn id="24" dur="500"/>
+                                        <p:tgtEl>
+                                          <p:spTgt spid="3">
+                                            <p:txEl>
+                                              <p:pRg st="6" end="6"/>
+                                            </p:txEl>
+                                          </p:spTgt>
+                                        </p:tgtEl>
+                                      </p:cBhvr>
+                                    </p:animEffect>
+                                  </p:childTnLst>
+                                </p:cTn>
+                              </p:par>
+                              <p:par>
+                                <p:cTn id="25" presetID="10" presetClass="entr" presetSubtype="0" fill="hold" nodeType="withEffect">
+                                  <p:stCondLst>
+                                    <p:cond delay="0"/>
+                                  </p:stCondLst>
+                                  <p:childTnLst>
+                                    <p:set>
+                                      <p:cBhvr>
+                                        <p:cTn id="26" dur="1" fill="hold">
+                                          <p:stCondLst>
+                                            <p:cond delay="0"/>
+                                          </p:stCondLst>
+                                        </p:cTn>
+                                        <p:tgtEl>
+                                          <p:spTgt spid="3">
+                                            <p:txEl>
+                                              <p:pRg st="7" end="7"/>
+                                            </p:txEl>
+                                          </p:spTgt>
+                                        </p:tgtEl>
+                                        <p:attrNameLst>
+                                          <p:attrName>style.visibility</p:attrName>
+                                        </p:attrNameLst>
+                                      </p:cBhvr>
+                                      <p:to>
+                                        <p:strVal val="visible"/>
+                                      </p:to>
+                                    </p:set>
+                                    <p:animEffect transition="in" filter="fade">
+                                      <p:cBhvr>
+                                        <p:cTn id="27" dur="500"/>
+                                        <p:tgtEl>
+                                          <p:spTgt spid="3">
+                                            <p:txEl>
+                                              <p:pRg st="7" end="7"/>
+                                            </p:txEl>
+                                          </p:spTgt>
+                                        </p:tgtEl>
+                                      </p:cBhvr>
+                                    </p:animEffect>
+                                  </p:childTnLst>
+                                </p:cTn>
+                              </p:par>
+                              <p:par>
+                                <p:cTn id="28" presetID="10" presetClass="entr" presetSubtype="0" fill="hold" nodeType="withEffect">
+                                  <p:stCondLst>
+                                    <p:cond delay="0"/>
+                                  </p:stCondLst>
+                                  <p:childTnLst>
+                                    <p:set>
+                                      <p:cBhvr>
+                                        <p:cTn id="29" dur="1" fill="hold">
+                                          <p:stCondLst>
+                                            <p:cond delay="0"/>
+                                          </p:stCondLst>
+                                        </p:cTn>
+                                        <p:tgtEl>
+                                          <p:spTgt spid="3">
+                                            <p:txEl>
+                                              <p:pRg st="8" end="8"/>
+                                            </p:txEl>
+                                          </p:spTgt>
+                                        </p:tgtEl>
+                                        <p:attrNameLst>
+                                          <p:attrName>style.visibility</p:attrName>
+                                        </p:attrNameLst>
+                                      </p:cBhvr>
+                                      <p:to>
+                                        <p:strVal val="visible"/>
+                                      </p:to>
+                                    </p:set>
+                                    <p:animEffect transition="in" filter="fade">
+                                      <p:cBhvr>
+                                        <p:cTn id="30" dur="500"/>
+                                        <p:tgtEl>
+                                          <p:spTgt spid="3">
+                                            <p:txEl>
+                                              <p:pRg st="8" end="8"/>
+                                            </p:txEl>
+                                          </p:spTgt>
+                                        </p:tgtEl>
+                                      </p:cBhvr>
+                                    </p:animEffect>
+                                  </p:childTnLst>
+                                </p:cTn>
+                              </p:par>
+                            </p:childTnLst>
+                          </p:cTn>
+                        </p:par>
+                      </p:childTnLst>
+                    </p:cTn>
+                  </p:par>
+                </p:childTnLst>
+              </p:cTn>
+              <p:prevCondLst>
+                <p:cond evt="onPrev" delay="0">
+                  <p:tgtEl>
+                    <p:sldTgt/>
+                  </p:tgtEl>
+                </p:cond>
+              </p:prevCondLst>
+              <p:nextCondLst>
+                <p:cond evt="onNext" delay="0">
+                  <p:tgtEl>
+                    <p:sldTgt/>
+                  </p:tgtEl>
+                </p:cond>
+              </p:nextCondLst>
+            </p:seq>
+          </p:childTnLst>
+        </p:cTn>
+      </p:par>
+    </p:tnLst>
+  </p:timing>
 </p:sld>
 </file>
 
 <file path=ppt/slides/slide20.xml><?xml version="1.0" encoding="utf-8"?>
-<p:sld xmlns:a="http://schemas.openxmlformats.org/drawingml/2006/main" xmlns:r="http://schemas.openxmlformats.org/officeDocument/2006/relationships" xmlns:mc="http://schemas.openxmlformats.org/markup-compatibility/2006" xmlns:mv="urn:schemas-microsoft-com:mac:vml" xmlns:p="http://schemas.openxmlformats.org/presentationml/2006/main" mc:Ignorable="mv" mc:PreserveAttributes="mv:*">
+<p:sld xmlns:a="http://schemas.openxmlformats.org/drawingml/2006/main" xmlns:r="http://schemas.openxmlformats.org/officeDocument/2006/relationships" xmlns:p="http://schemas.openxmlformats.org/presentationml/2006/main">
   <p:cSld>
     <p:spTree>
       <p:nvGrpSpPr>
@@ -7130,7 +7530,7 @@
 </file>
 
 <file path=ppt/slides/slide3.xml><?xml version="1.0" encoding="utf-8"?>
-<p:sld xmlns:a="http://schemas.openxmlformats.org/drawingml/2006/main" xmlns:r="http://schemas.openxmlformats.org/officeDocument/2006/relationships" xmlns:mc="http://schemas.openxmlformats.org/markup-compatibility/2006" xmlns:mv="urn:schemas-microsoft-com:mac:vml" xmlns:p="http://schemas.openxmlformats.org/presentationml/2006/main" mc:Ignorable="mv" mc:PreserveAttributes="mv:*">
+<p:sld xmlns:a="http://schemas.openxmlformats.org/drawingml/2006/main" xmlns:r="http://schemas.openxmlformats.org/officeDocument/2006/relationships" xmlns:p="http://schemas.openxmlformats.org/presentationml/2006/main" show="0">
   <p:cSld>
     <p:spTree>
       <p:nvGrpSpPr>
@@ -7290,11 +7690,26 @@
   <p:clrMapOvr>
     <a:masterClrMapping/>
   </p:clrMapOvr>
+  <mc:AlternateContent xmlns:mc="http://schemas.openxmlformats.org/markup-compatibility/2006">
+    <mc:Choice xmlns:p14="http://schemas.microsoft.com/office/powerpoint/2010/main" Requires="p14">
+      <p:transition spd="slow" p14:dur="2000"/>
+    </mc:Choice>
+    <mc:Fallback>
+      <p:transition spd="slow"/>
+    </mc:Fallback>
+  </mc:AlternateContent>
+  <p:timing>
+    <p:tnLst>
+      <p:par>
+        <p:cTn id="1" dur="indefinite" restart="never" nodeType="tmRoot"/>
+      </p:par>
+    </p:tnLst>
+  </p:timing>
 </p:sld>
 </file>
 
 <file path=ppt/slides/slide4.xml><?xml version="1.0" encoding="utf-8"?>
-<p:sld xmlns:a="http://schemas.openxmlformats.org/drawingml/2006/main" xmlns:r="http://schemas.openxmlformats.org/officeDocument/2006/relationships" xmlns:mc="http://schemas.openxmlformats.org/markup-compatibility/2006" xmlns:mv="urn:schemas-microsoft-com:mac:vml" xmlns:p="http://schemas.openxmlformats.org/presentationml/2006/main" mc:Ignorable="mv" mc:PreserveAttributes="mv:*">
+<p:sld xmlns:a="http://schemas.openxmlformats.org/drawingml/2006/main" xmlns:r="http://schemas.openxmlformats.org/officeDocument/2006/relationships" xmlns:p="http://schemas.openxmlformats.org/presentationml/2006/main">
   <p:cSld>
     <p:spTree>
       <p:nvGrpSpPr>
@@ -7469,11 +7884,493 @@
   <p:clrMapOvr>
     <a:masterClrMapping/>
   </p:clrMapOvr>
+  <p:timing>
+    <p:tnLst>
+      <p:par>
+        <p:cTn id="1" dur="indefinite" restart="never" nodeType="tmRoot">
+          <p:childTnLst>
+            <p:seq concurrent="1" nextAc="seek">
+              <p:cTn id="2" dur="indefinite" nodeType="mainSeq">
+                <p:childTnLst>
+                  <p:par>
+                    <p:cTn id="3" fill="hold">
+                      <p:stCondLst>
+                        <p:cond delay="indefinite"/>
+                      </p:stCondLst>
+                      <p:childTnLst>
+                        <p:par>
+                          <p:cTn id="4" fill="hold">
+                            <p:stCondLst>
+                              <p:cond delay="0"/>
+                            </p:stCondLst>
+                            <p:childTnLst>
+                              <p:par>
+                                <p:cTn id="5" presetID="10" presetClass="entr" presetSubtype="0" fill="hold" nodeType="clickEffect">
+                                  <p:stCondLst>
+                                    <p:cond delay="0"/>
+                                  </p:stCondLst>
+                                  <p:childTnLst>
+                                    <p:set>
+                                      <p:cBhvr>
+                                        <p:cTn id="6" dur="1" fill="hold">
+                                          <p:stCondLst>
+                                            <p:cond delay="0"/>
+                                          </p:stCondLst>
+                                        </p:cTn>
+                                        <p:tgtEl>
+                                          <p:spTgt spid="3">
+                                            <p:txEl>
+                                              <p:pRg st="0" end="0"/>
+                                            </p:txEl>
+                                          </p:spTgt>
+                                        </p:tgtEl>
+                                        <p:attrNameLst>
+                                          <p:attrName>style.visibility</p:attrName>
+                                        </p:attrNameLst>
+                                      </p:cBhvr>
+                                      <p:to>
+                                        <p:strVal val="visible"/>
+                                      </p:to>
+                                    </p:set>
+                                    <p:animEffect transition="in" filter="fade">
+                                      <p:cBhvr>
+                                        <p:cTn id="7" dur="500"/>
+                                        <p:tgtEl>
+                                          <p:spTgt spid="3">
+                                            <p:txEl>
+                                              <p:pRg st="0" end="0"/>
+                                            </p:txEl>
+                                          </p:spTgt>
+                                        </p:tgtEl>
+                                      </p:cBhvr>
+                                    </p:animEffect>
+                                  </p:childTnLst>
+                                </p:cTn>
+                              </p:par>
+                            </p:childTnLst>
+                          </p:cTn>
+                        </p:par>
+                      </p:childTnLst>
+                    </p:cTn>
+                  </p:par>
+                  <p:par>
+                    <p:cTn id="8" fill="hold">
+                      <p:stCondLst>
+                        <p:cond delay="indefinite"/>
+                      </p:stCondLst>
+                      <p:childTnLst>
+                        <p:par>
+                          <p:cTn id="9" fill="hold">
+                            <p:stCondLst>
+                              <p:cond delay="0"/>
+                            </p:stCondLst>
+                            <p:childTnLst>
+                              <p:par>
+                                <p:cTn id="10" presetID="10" presetClass="entr" presetSubtype="0" fill="hold" nodeType="clickEffect">
+                                  <p:stCondLst>
+                                    <p:cond delay="0"/>
+                                  </p:stCondLst>
+                                  <p:childTnLst>
+                                    <p:set>
+                                      <p:cBhvr>
+                                        <p:cTn id="11" dur="1" fill="hold">
+                                          <p:stCondLst>
+                                            <p:cond delay="0"/>
+                                          </p:stCondLst>
+                                        </p:cTn>
+                                        <p:tgtEl>
+                                          <p:spTgt spid="3">
+                                            <p:txEl>
+                                              <p:pRg st="1" end="1"/>
+                                            </p:txEl>
+                                          </p:spTgt>
+                                        </p:tgtEl>
+                                        <p:attrNameLst>
+                                          <p:attrName>style.visibility</p:attrName>
+                                        </p:attrNameLst>
+                                      </p:cBhvr>
+                                      <p:to>
+                                        <p:strVal val="visible"/>
+                                      </p:to>
+                                    </p:set>
+                                    <p:animEffect transition="in" filter="fade">
+                                      <p:cBhvr>
+                                        <p:cTn id="12" dur="500"/>
+                                        <p:tgtEl>
+                                          <p:spTgt spid="3">
+                                            <p:txEl>
+                                              <p:pRg st="1" end="1"/>
+                                            </p:txEl>
+                                          </p:spTgt>
+                                        </p:tgtEl>
+                                      </p:cBhvr>
+                                    </p:animEffect>
+                                  </p:childTnLst>
+                                </p:cTn>
+                              </p:par>
+                            </p:childTnLst>
+                          </p:cTn>
+                        </p:par>
+                      </p:childTnLst>
+                    </p:cTn>
+                  </p:par>
+                  <p:par>
+                    <p:cTn id="13" fill="hold">
+                      <p:stCondLst>
+                        <p:cond delay="indefinite"/>
+                      </p:stCondLst>
+                      <p:childTnLst>
+                        <p:par>
+                          <p:cTn id="14" fill="hold">
+                            <p:stCondLst>
+                              <p:cond delay="0"/>
+                            </p:stCondLst>
+                            <p:childTnLst>
+                              <p:par>
+                                <p:cTn id="15" presetID="10" presetClass="entr" presetSubtype="0" fill="hold" nodeType="clickEffect">
+                                  <p:stCondLst>
+                                    <p:cond delay="0"/>
+                                  </p:stCondLst>
+                                  <p:childTnLst>
+                                    <p:set>
+                                      <p:cBhvr>
+                                        <p:cTn id="16" dur="1" fill="hold">
+                                          <p:stCondLst>
+                                            <p:cond delay="0"/>
+                                          </p:stCondLst>
+                                        </p:cTn>
+                                        <p:tgtEl>
+                                          <p:spTgt spid="3">
+                                            <p:txEl>
+                                              <p:pRg st="2" end="2"/>
+                                            </p:txEl>
+                                          </p:spTgt>
+                                        </p:tgtEl>
+                                        <p:attrNameLst>
+                                          <p:attrName>style.visibility</p:attrName>
+                                        </p:attrNameLst>
+                                      </p:cBhvr>
+                                      <p:to>
+                                        <p:strVal val="visible"/>
+                                      </p:to>
+                                    </p:set>
+                                    <p:animEffect transition="in" filter="fade">
+                                      <p:cBhvr>
+                                        <p:cTn id="17" dur="500"/>
+                                        <p:tgtEl>
+                                          <p:spTgt spid="3">
+                                            <p:txEl>
+                                              <p:pRg st="2" end="2"/>
+                                            </p:txEl>
+                                          </p:spTgt>
+                                        </p:tgtEl>
+                                      </p:cBhvr>
+                                    </p:animEffect>
+                                  </p:childTnLst>
+                                </p:cTn>
+                              </p:par>
+                            </p:childTnLst>
+                          </p:cTn>
+                        </p:par>
+                      </p:childTnLst>
+                    </p:cTn>
+                  </p:par>
+                  <p:par>
+                    <p:cTn id="18" fill="hold">
+                      <p:stCondLst>
+                        <p:cond delay="indefinite"/>
+                      </p:stCondLst>
+                      <p:childTnLst>
+                        <p:par>
+                          <p:cTn id="19" fill="hold">
+                            <p:stCondLst>
+                              <p:cond delay="0"/>
+                            </p:stCondLst>
+                            <p:childTnLst>
+                              <p:par>
+                                <p:cTn id="20" presetID="10" presetClass="entr" presetSubtype="0" fill="hold" nodeType="clickEffect">
+                                  <p:stCondLst>
+                                    <p:cond delay="0"/>
+                                  </p:stCondLst>
+                                  <p:childTnLst>
+                                    <p:set>
+                                      <p:cBhvr>
+                                        <p:cTn id="21" dur="1" fill="hold">
+                                          <p:stCondLst>
+                                            <p:cond delay="0"/>
+                                          </p:stCondLst>
+                                        </p:cTn>
+                                        <p:tgtEl>
+                                          <p:spTgt spid="3">
+                                            <p:txEl>
+                                              <p:pRg st="3" end="3"/>
+                                            </p:txEl>
+                                          </p:spTgt>
+                                        </p:tgtEl>
+                                        <p:attrNameLst>
+                                          <p:attrName>style.visibility</p:attrName>
+                                        </p:attrNameLst>
+                                      </p:cBhvr>
+                                      <p:to>
+                                        <p:strVal val="visible"/>
+                                      </p:to>
+                                    </p:set>
+                                    <p:animEffect transition="in" filter="fade">
+                                      <p:cBhvr>
+                                        <p:cTn id="22" dur="500"/>
+                                        <p:tgtEl>
+                                          <p:spTgt spid="3">
+                                            <p:txEl>
+                                              <p:pRg st="3" end="3"/>
+                                            </p:txEl>
+                                          </p:spTgt>
+                                        </p:tgtEl>
+                                      </p:cBhvr>
+                                    </p:animEffect>
+                                  </p:childTnLst>
+                                </p:cTn>
+                              </p:par>
+                            </p:childTnLst>
+                          </p:cTn>
+                        </p:par>
+                      </p:childTnLst>
+                    </p:cTn>
+                  </p:par>
+                  <p:par>
+                    <p:cTn id="23" fill="hold">
+                      <p:stCondLst>
+                        <p:cond delay="indefinite"/>
+                      </p:stCondLst>
+                      <p:childTnLst>
+                        <p:par>
+                          <p:cTn id="24" fill="hold">
+                            <p:stCondLst>
+                              <p:cond delay="0"/>
+                            </p:stCondLst>
+                            <p:childTnLst>
+                              <p:par>
+                                <p:cTn id="25" presetID="10" presetClass="entr" presetSubtype="0" fill="hold" nodeType="clickEffect">
+                                  <p:stCondLst>
+                                    <p:cond delay="0"/>
+                                  </p:stCondLst>
+                                  <p:childTnLst>
+                                    <p:set>
+                                      <p:cBhvr>
+                                        <p:cTn id="26" dur="1" fill="hold">
+                                          <p:stCondLst>
+                                            <p:cond delay="0"/>
+                                          </p:stCondLst>
+                                        </p:cTn>
+                                        <p:tgtEl>
+                                          <p:spTgt spid="3">
+                                            <p:txEl>
+                                              <p:pRg st="4" end="4"/>
+                                            </p:txEl>
+                                          </p:spTgt>
+                                        </p:tgtEl>
+                                        <p:attrNameLst>
+                                          <p:attrName>style.visibility</p:attrName>
+                                        </p:attrNameLst>
+                                      </p:cBhvr>
+                                      <p:to>
+                                        <p:strVal val="visible"/>
+                                      </p:to>
+                                    </p:set>
+                                    <p:animEffect transition="in" filter="fade">
+                                      <p:cBhvr>
+                                        <p:cTn id="27" dur="500"/>
+                                        <p:tgtEl>
+                                          <p:spTgt spid="3">
+                                            <p:txEl>
+                                              <p:pRg st="4" end="4"/>
+                                            </p:txEl>
+                                          </p:spTgt>
+                                        </p:tgtEl>
+                                      </p:cBhvr>
+                                    </p:animEffect>
+                                  </p:childTnLst>
+                                </p:cTn>
+                              </p:par>
+                            </p:childTnLst>
+                          </p:cTn>
+                        </p:par>
+                      </p:childTnLst>
+                    </p:cTn>
+                  </p:par>
+                  <p:par>
+                    <p:cTn id="28" fill="hold">
+                      <p:stCondLst>
+                        <p:cond delay="indefinite"/>
+                      </p:stCondLst>
+                      <p:childTnLst>
+                        <p:par>
+                          <p:cTn id="29" fill="hold">
+                            <p:stCondLst>
+                              <p:cond delay="0"/>
+                            </p:stCondLst>
+                            <p:childTnLst>
+                              <p:par>
+                                <p:cTn id="30" presetID="10" presetClass="entr" presetSubtype="0" fill="hold" nodeType="clickEffect">
+                                  <p:stCondLst>
+                                    <p:cond delay="0"/>
+                                  </p:stCondLst>
+                                  <p:childTnLst>
+                                    <p:set>
+                                      <p:cBhvr>
+                                        <p:cTn id="31" dur="1" fill="hold">
+                                          <p:stCondLst>
+                                            <p:cond delay="0"/>
+                                          </p:stCondLst>
+                                        </p:cTn>
+                                        <p:tgtEl>
+                                          <p:spTgt spid="3">
+                                            <p:txEl>
+                                              <p:pRg st="5" end="5"/>
+                                            </p:txEl>
+                                          </p:spTgt>
+                                        </p:tgtEl>
+                                        <p:attrNameLst>
+                                          <p:attrName>style.visibility</p:attrName>
+                                        </p:attrNameLst>
+                                      </p:cBhvr>
+                                      <p:to>
+                                        <p:strVal val="visible"/>
+                                      </p:to>
+                                    </p:set>
+                                    <p:animEffect transition="in" filter="fade">
+                                      <p:cBhvr>
+                                        <p:cTn id="32" dur="500"/>
+                                        <p:tgtEl>
+                                          <p:spTgt spid="3">
+                                            <p:txEl>
+                                              <p:pRg st="5" end="5"/>
+                                            </p:txEl>
+                                          </p:spTgt>
+                                        </p:tgtEl>
+                                      </p:cBhvr>
+                                    </p:animEffect>
+                                  </p:childTnLst>
+                                </p:cTn>
+                              </p:par>
+                              <p:par>
+                                <p:cTn id="33" presetID="10" presetClass="entr" presetSubtype="0" fill="hold" nodeType="withEffect">
+                                  <p:stCondLst>
+                                    <p:cond delay="0"/>
+                                  </p:stCondLst>
+                                  <p:childTnLst>
+                                    <p:set>
+                                      <p:cBhvr>
+                                        <p:cTn id="34" dur="1" fill="hold">
+                                          <p:stCondLst>
+                                            <p:cond delay="0"/>
+                                          </p:stCondLst>
+                                        </p:cTn>
+                                        <p:tgtEl>
+                                          <p:spTgt spid="3">
+                                            <p:txEl>
+                                              <p:pRg st="6" end="6"/>
+                                            </p:txEl>
+                                          </p:spTgt>
+                                        </p:tgtEl>
+                                        <p:attrNameLst>
+                                          <p:attrName>style.visibility</p:attrName>
+                                        </p:attrNameLst>
+                                      </p:cBhvr>
+                                      <p:to>
+                                        <p:strVal val="visible"/>
+                                      </p:to>
+                                    </p:set>
+                                    <p:animEffect transition="in" filter="fade">
+                                      <p:cBhvr>
+                                        <p:cTn id="35" dur="500"/>
+                                        <p:tgtEl>
+                                          <p:spTgt spid="3">
+                                            <p:txEl>
+                                              <p:pRg st="6" end="6"/>
+                                            </p:txEl>
+                                          </p:spTgt>
+                                        </p:tgtEl>
+                                      </p:cBhvr>
+                                    </p:animEffect>
+                                  </p:childTnLst>
+                                </p:cTn>
+                              </p:par>
+                              <p:par>
+                                <p:cTn id="36" presetID="10" presetClass="entr" presetSubtype="0" fill="hold" nodeType="withEffect">
+                                  <p:stCondLst>
+                                    <p:cond delay="0"/>
+                                  </p:stCondLst>
+                                  <p:childTnLst>
+                                    <p:set>
+                                      <p:cBhvr>
+                                        <p:cTn id="37" dur="1" fill="hold">
+                                          <p:stCondLst>
+                                            <p:cond delay="0"/>
+                                          </p:stCondLst>
+                                        </p:cTn>
+                                        <p:tgtEl>
+                                          <p:spTgt spid="3">
+                                            <p:txEl>
+                                              <p:pRg st="7" end="7"/>
+                                            </p:txEl>
+                                          </p:spTgt>
+                                        </p:tgtEl>
+                                        <p:attrNameLst>
+                                          <p:attrName>style.visibility</p:attrName>
+                                        </p:attrNameLst>
+                                      </p:cBhvr>
+                                      <p:to>
+                                        <p:strVal val="visible"/>
+                                      </p:to>
+                                    </p:set>
+                                    <p:animEffect transition="in" filter="fade">
+                                      <p:cBhvr>
+                                        <p:cTn id="38" dur="500"/>
+                                        <p:tgtEl>
+                                          <p:spTgt spid="3">
+                                            <p:txEl>
+                                              <p:pRg st="7" end="7"/>
+                                            </p:txEl>
+                                          </p:spTgt>
+                                        </p:tgtEl>
+                                      </p:cBhvr>
+                                    </p:animEffect>
+                                  </p:childTnLst>
+                                </p:cTn>
+                              </p:par>
+                            </p:childTnLst>
+                          </p:cTn>
+                        </p:par>
+                      </p:childTnLst>
+                    </p:cTn>
+                  </p:par>
+                </p:childTnLst>
+              </p:cTn>
+              <p:prevCondLst>
+                <p:cond evt="onPrev" delay="0">
+                  <p:tgtEl>
+                    <p:sldTgt/>
+                  </p:tgtEl>
+                </p:cond>
+              </p:prevCondLst>
+              <p:nextCondLst>
+                <p:cond evt="onNext" delay="0">
+                  <p:tgtEl>
+                    <p:sldTgt/>
+                  </p:tgtEl>
+                </p:cond>
+              </p:nextCondLst>
+            </p:seq>
+          </p:childTnLst>
+        </p:cTn>
+      </p:par>
+    </p:tnLst>
+  </p:timing>
 </p:sld>
 </file>
 
 <file path=ppt/slides/slide5.xml><?xml version="1.0" encoding="utf-8"?>
-<p:sld xmlns:a="http://schemas.openxmlformats.org/drawingml/2006/main" xmlns:r="http://schemas.openxmlformats.org/officeDocument/2006/relationships" xmlns:mc="http://schemas.openxmlformats.org/markup-compatibility/2006" xmlns:mv="urn:schemas-microsoft-com:mac:vml" xmlns:p="http://schemas.openxmlformats.org/presentationml/2006/main" mc:Ignorable="mv" mc:PreserveAttributes="mv:*">
+<p:sld xmlns:a="http://schemas.openxmlformats.org/drawingml/2006/main" xmlns:r="http://schemas.openxmlformats.org/officeDocument/2006/relationships" xmlns:p="http://schemas.openxmlformats.org/presentationml/2006/main">
   <p:cSld>
     <p:spTree>
       <p:nvGrpSpPr>
@@ -7592,7 +8489,11 @@
           <a:p>
             <a:r>
               <a:rPr lang="ru-RU" dirty="0" smtClean="0"/>
-              <a:t>Синхронизация моделей и БД:</a:t>
+              <a:t>Миграция </a:t>
+            </a:r>
+            <a:r>
+              <a:rPr lang="ru-RU" dirty="0" smtClean="0"/>
+              <a:t>БД:</a:t>
             </a:r>
           </a:p>
           <a:p>
@@ -7605,8 +8506,29 @@
                   <a:srgbClr val="008000"/>
                 </a:solidFill>
               </a:rPr>
-              <a:t>		python manage.py syncdb</a:t>
-            </a:r>
+              <a:t>		python </a:t>
+            </a:r>
+            <a:r>
+              <a:rPr lang="en-US" sz="2595" smtClean="0">
+                <a:solidFill>
+                  <a:srgbClr val="008000"/>
+                </a:solidFill>
+              </a:rPr>
+              <a:t>manage.py </a:t>
+            </a:r>
+            <a:r>
+              <a:rPr lang="en-US" sz="2595" smtClean="0">
+                <a:solidFill>
+                  <a:srgbClr val="008000"/>
+                </a:solidFill>
+              </a:rPr>
+              <a:t>migrate</a:t>
+            </a:r>
+            <a:endParaRPr lang="en-US" sz="2595" dirty="0" smtClean="0">
+              <a:solidFill>
+                <a:srgbClr val="008000"/>
+              </a:solidFill>
+            </a:endParaRPr>
           </a:p>
           <a:p>
             <a:r>
@@ -7639,11 +8561,18 @@
   <p:clrMapOvr>
     <a:masterClrMapping/>
   </p:clrMapOvr>
+  <p:timing>
+    <p:tnLst>
+      <p:par>
+        <p:cTn id="1" dur="indefinite" restart="never" nodeType="tmRoot"/>
+      </p:par>
+    </p:tnLst>
+  </p:timing>
 </p:sld>
 </file>
 
 <file path=ppt/slides/slide6.xml><?xml version="1.0" encoding="utf-8"?>
-<p:sld xmlns:a="http://schemas.openxmlformats.org/drawingml/2006/main" xmlns:r="http://schemas.openxmlformats.org/officeDocument/2006/relationships" xmlns:mc="http://schemas.openxmlformats.org/markup-compatibility/2006" xmlns:mv="urn:schemas-microsoft-com:mac:vml" xmlns:p="http://schemas.openxmlformats.org/presentationml/2006/main" mc:Ignorable="mv" mc:PreserveAttributes="mv:*">
+<p:sld xmlns:a="http://schemas.openxmlformats.org/drawingml/2006/main" xmlns:r="http://schemas.openxmlformats.org/officeDocument/2006/relationships" xmlns:p="http://schemas.openxmlformats.org/presentationml/2006/main">
   <p:cSld>
     <p:spTree>
       <p:nvGrpSpPr>
@@ -7846,7 +8775,7 @@
 </file>
 
 <file path=ppt/slides/slide7.xml><?xml version="1.0" encoding="utf-8"?>
-<p:sld xmlns:a="http://schemas.openxmlformats.org/drawingml/2006/main" xmlns:r="http://schemas.openxmlformats.org/officeDocument/2006/relationships" xmlns:mc="http://schemas.openxmlformats.org/markup-compatibility/2006" xmlns:mv="urn:schemas-microsoft-com:mac:vml" xmlns:p="http://schemas.openxmlformats.org/presentationml/2006/main" mc:Ignorable="mv" mc:PreserveAttributes="mv:*">
+<p:sld xmlns:a="http://schemas.openxmlformats.org/drawingml/2006/main" xmlns:r="http://schemas.openxmlformats.org/officeDocument/2006/relationships" xmlns:p="http://schemas.openxmlformats.org/presentationml/2006/main">
   <p:cSld>
     <p:spTree>
       <p:nvGrpSpPr>
@@ -8015,7 +8944,7 @@
 </file>
 
 <file path=ppt/slides/slide8.xml><?xml version="1.0" encoding="utf-8"?>
-<p:sld xmlns:a="http://schemas.openxmlformats.org/drawingml/2006/main" xmlns:r="http://schemas.openxmlformats.org/officeDocument/2006/relationships" xmlns:mc="http://schemas.openxmlformats.org/markup-compatibility/2006" xmlns:mv="urn:schemas-microsoft-com:mac:vml" xmlns:p="http://schemas.openxmlformats.org/presentationml/2006/main" mc:Ignorable="mv" mc:PreserveAttributes="mv:*">
+<p:sld xmlns:a="http://schemas.openxmlformats.org/drawingml/2006/main" xmlns:r="http://schemas.openxmlformats.org/officeDocument/2006/relationships" xmlns:p="http://schemas.openxmlformats.org/presentationml/2006/main">
   <p:cSld>
     <p:spTree>
       <p:nvGrpSpPr>
@@ -8634,7 +9563,7 @@
 </file>
 
 <file path=ppt/slides/slide9.xml><?xml version="1.0" encoding="utf-8"?>
-<p:sld xmlns:a="http://schemas.openxmlformats.org/drawingml/2006/main" xmlns:r="http://schemas.openxmlformats.org/officeDocument/2006/relationships" xmlns:mc="http://schemas.openxmlformats.org/markup-compatibility/2006" xmlns:mv="urn:schemas-microsoft-com:mac:vml" xmlns:p="http://schemas.openxmlformats.org/presentationml/2006/main" mc:Ignorable="mv" mc:PreserveAttributes="mv:*">
+<p:sld xmlns:a="http://schemas.openxmlformats.org/drawingml/2006/main" xmlns:r="http://schemas.openxmlformats.org/officeDocument/2006/relationships" xmlns:p="http://schemas.openxmlformats.org/presentationml/2006/main">
   <p:cSld>
     <p:spTree>
       <p:nvGrpSpPr>
@@ -8754,23 +9683,7 @@
                   <a:srgbClr val="008000"/>
                 </a:solidFill>
               </a:rPr>
-              <a:t>	friends = models.ManyToManyField(</a:t>
-            </a:r>
-            <a:r>
-              <a:rPr lang="en-US" sz="2400" dirty="0" smtClean="0">
-                <a:solidFill>
-                  <a:srgbClr val="008000"/>
-                </a:solidFill>
-              </a:rPr>
-              <a:t>Person</a:t>
-            </a:r>
-            <a:r>
-              <a:rPr lang="en-US" sz="2400" dirty="0" smtClean="0">
-                <a:solidFill>
-                  <a:srgbClr val="008000"/>
-                </a:solidFill>
-              </a:rPr>
-              <a:t>)</a:t>
+              <a:t>	friends = models.ManyToManyField(Person)</a:t>
             </a:r>
           </a:p>
           <a:p>
